--- a/CV 2020.pptx
+++ b/CV 2020.pptx
@@ -208,7 +208,7 @@
           <a:p>
             <a:fld id="{E60E9244-D9A2-4948-A8B9-545C195C42FF}" type="datetimeFigureOut">
               <a:rPr lang="ar-MA" smtClean="0"/>
-              <a:t>05-10-1441</a:t>
+              <a:t>11-10-1441</a:t>
             </a:fld>
             <a:endParaRPr lang="ar-MA"/>
           </a:p>
@@ -739,7 +739,7 @@
           <a:p>
             <a:fld id="{36F6A27C-E2F9-C140-AA96-063441F5E1DC}" type="datetimeFigureOut">
               <a:rPr lang="fr-FR" smtClean="0"/>
-              <a:t>27/05/2020</a:t>
+              <a:t>02/06/2020</a:t>
             </a:fld>
             <a:endParaRPr lang="fr-FR"/>
           </a:p>
@@ -907,7 +907,7 @@
           <a:p>
             <a:fld id="{36F6A27C-E2F9-C140-AA96-063441F5E1DC}" type="datetimeFigureOut">
               <a:rPr lang="fr-FR" smtClean="0"/>
-              <a:t>27/05/2020</a:t>
+              <a:t>02/06/2020</a:t>
             </a:fld>
             <a:endParaRPr lang="fr-FR"/>
           </a:p>
@@ -1085,7 +1085,7 @@
           <a:p>
             <a:fld id="{36F6A27C-E2F9-C140-AA96-063441F5E1DC}" type="datetimeFigureOut">
               <a:rPr lang="fr-FR" smtClean="0"/>
-              <a:t>27/05/2020</a:t>
+              <a:t>02/06/2020</a:t>
             </a:fld>
             <a:endParaRPr lang="fr-FR"/>
           </a:p>
@@ -1253,7 +1253,7 @@
           <a:p>
             <a:fld id="{36F6A27C-E2F9-C140-AA96-063441F5E1DC}" type="datetimeFigureOut">
               <a:rPr lang="fr-FR" smtClean="0"/>
-              <a:t>27/05/2020</a:t>
+              <a:t>02/06/2020</a:t>
             </a:fld>
             <a:endParaRPr lang="fr-FR"/>
           </a:p>
@@ -1498,7 +1498,7 @@
           <a:p>
             <a:fld id="{36F6A27C-E2F9-C140-AA96-063441F5E1DC}" type="datetimeFigureOut">
               <a:rPr lang="fr-FR" smtClean="0"/>
-              <a:t>27/05/2020</a:t>
+              <a:t>02/06/2020</a:t>
             </a:fld>
             <a:endParaRPr lang="fr-FR"/>
           </a:p>
@@ -1783,7 +1783,7 @@
           <a:p>
             <a:fld id="{36F6A27C-E2F9-C140-AA96-063441F5E1DC}" type="datetimeFigureOut">
               <a:rPr lang="fr-FR" smtClean="0"/>
-              <a:t>27/05/2020</a:t>
+              <a:t>02/06/2020</a:t>
             </a:fld>
             <a:endParaRPr lang="fr-FR"/>
           </a:p>
@@ -2207,7 +2207,7 @@
           <a:p>
             <a:fld id="{36F6A27C-E2F9-C140-AA96-063441F5E1DC}" type="datetimeFigureOut">
               <a:rPr lang="fr-FR" smtClean="0"/>
-              <a:t>27/05/2020</a:t>
+              <a:t>02/06/2020</a:t>
             </a:fld>
             <a:endParaRPr lang="fr-FR"/>
           </a:p>
@@ -2324,7 +2324,7 @@
           <a:p>
             <a:fld id="{36F6A27C-E2F9-C140-AA96-063441F5E1DC}" type="datetimeFigureOut">
               <a:rPr lang="fr-FR" smtClean="0"/>
-              <a:t>27/05/2020</a:t>
+              <a:t>02/06/2020</a:t>
             </a:fld>
             <a:endParaRPr lang="fr-FR"/>
           </a:p>
@@ -2419,7 +2419,7 @@
           <a:p>
             <a:fld id="{36F6A27C-E2F9-C140-AA96-063441F5E1DC}" type="datetimeFigureOut">
               <a:rPr lang="fr-FR" smtClean="0"/>
-              <a:t>27/05/2020</a:t>
+              <a:t>02/06/2020</a:t>
             </a:fld>
             <a:endParaRPr lang="fr-FR"/>
           </a:p>
@@ -2694,7 +2694,7 @@
           <a:p>
             <a:fld id="{36F6A27C-E2F9-C140-AA96-063441F5E1DC}" type="datetimeFigureOut">
               <a:rPr lang="fr-FR" smtClean="0"/>
-              <a:t>27/05/2020</a:t>
+              <a:t>02/06/2020</a:t>
             </a:fld>
             <a:endParaRPr lang="fr-FR"/>
           </a:p>
@@ -2946,7 +2946,7 @@
           <a:p>
             <a:fld id="{36F6A27C-E2F9-C140-AA96-063441F5E1DC}" type="datetimeFigureOut">
               <a:rPr lang="fr-FR" smtClean="0"/>
-              <a:t>27/05/2020</a:t>
+              <a:t>02/06/2020</a:t>
             </a:fld>
             <a:endParaRPr lang="fr-FR"/>
           </a:p>
@@ -3157,7 +3157,7 @@
           <a:p>
             <a:fld id="{36F6A27C-E2F9-C140-AA96-063441F5E1DC}" type="datetimeFigureOut">
               <a:rPr lang="fr-FR" smtClean="0"/>
-              <a:t>27/05/2020</a:t>
+              <a:t>02/06/2020</a:t>
             </a:fld>
             <a:endParaRPr lang="fr-FR"/>
           </a:p>
@@ -3587,20 +3587,17 @@
           <a:solidFill>
             <a:schemeClr val="bg1"/>
           </a:solidFill>
-          <a:ln>
-            <a:noFill/>
-          </a:ln>
-          <a:effectLst/>
+          <a:ln/>
         </p:spPr>
         <p:style>
-          <a:lnRef idx="1">
-            <a:schemeClr val="accent1"/>
+          <a:lnRef idx="0">
+            <a:schemeClr val="accent6"/>
           </a:lnRef>
           <a:fillRef idx="3">
-            <a:schemeClr val="accent1"/>
+            <a:schemeClr val="accent6"/>
           </a:fillRef>
-          <a:effectRef idx="2">
-            <a:schemeClr val="accent1"/>
+          <a:effectRef idx="3">
+            <a:schemeClr val="accent6"/>
           </a:effectRef>
           <a:fontRef idx="minor">
             <a:schemeClr val="lt1"/>
@@ -3726,29 +3723,23 @@
         </p:nvSpPr>
         <p:spPr>
           <a:xfrm>
-            <a:off x="3429000" y="4011437"/>
-            <a:ext cx="3429000" cy="5894563"/>
+            <a:off x="3422650" y="4011437"/>
+            <a:ext cx="3428999" cy="5894563"/>
           </a:xfrm>
           <a:prstGeom prst="rect">
             <a:avLst/>
           </a:prstGeom>
-          <a:solidFill>
-            <a:srgbClr val="F09128"/>
-          </a:solidFill>
-          <a:ln>
-            <a:noFill/>
-          </a:ln>
-          <a:effectLst/>
+          <a:ln/>
         </p:spPr>
         <p:style>
-          <a:lnRef idx="1">
-            <a:schemeClr val="accent1"/>
+          <a:lnRef idx="0">
+            <a:schemeClr val="accent6"/>
           </a:lnRef>
           <a:fillRef idx="3">
-            <a:schemeClr val="accent1"/>
+            <a:schemeClr val="accent6"/>
           </a:fillRef>
-          <a:effectRef idx="2">
-            <a:schemeClr val="accent1"/>
+          <a:effectRef idx="3">
+            <a:schemeClr val="accent6"/>
           </a:effectRef>
           <a:fontRef idx="minor">
             <a:schemeClr val="lt1"/>
@@ -3783,19 +3774,16 @@
           <a:prstGeom prst="rect">
             <a:avLst/>
           </a:prstGeom>
-          <a:solidFill>
-            <a:srgbClr val="F09128"/>
-          </a:solidFill>
         </p:spPr>
         <p:style>
           <a:lnRef idx="0">
-            <a:schemeClr val="dk1"/>
+            <a:schemeClr val="accent6"/>
           </a:lnRef>
           <a:fillRef idx="3">
-            <a:schemeClr val="dk1"/>
+            <a:schemeClr val="accent6"/>
           </a:fillRef>
           <a:effectRef idx="3">
-            <a:schemeClr val="dk1"/>
+            <a:schemeClr val="accent6"/>
           </a:effectRef>
           <a:fontRef idx="minor">
             <a:schemeClr val="lt1"/>
@@ -3825,7 +3813,7 @@
         <p:spPr>
           <a:xfrm>
             <a:off x="3429000" y="-3695"/>
-            <a:ext cx="3429000" cy="4012398"/>
+            <a:ext cx="3429000" cy="3993258"/>
           </a:xfrm>
           <a:prstGeom prst="rect">
             <a:avLst/>
@@ -3834,19 +3822,22 @@
             <a:schemeClr val="bg1"/>
           </a:solidFill>
           <a:ln>
-            <a:noFill/>
+            <a:solidFill>
+              <a:schemeClr val="bg1">
+                <a:lumMod val="75000"/>
+              </a:schemeClr>
+            </a:solidFill>
           </a:ln>
-          <a:effectLst/>
         </p:spPr>
         <p:style>
           <a:lnRef idx="1">
-            <a:schemeClr val="accent1"/>
+            <a:schemeClr val="accent6"/>
           </a:lnRef>
           <a:fillRef idx="3">
-            <a:schemeClr val="accent1"/>
+            <a:schemeClr val="accent6"/>
           </a:fillRef>
           <a:effectRef idx="2">
-            <a:schemeClr val="accent1"/>
+            <a:schemeClr val="accent6"/>
           </a:effectRef>
           <a:fontRef idx="minor">
             <a:schemeClr val="lt1"/>
@@ -4511,14 +4502,14 @@
           <a:effectLst/>
           <a:extLst>
             <a:ext uri="{909E8E84-426E-40dd-AFC4-6F175D3DCCD1}">
-              <a14:hiddenFill xmlns="" xmlns:a14="http://schemas.microsoft.com/office/drawing/2010/main">
+              <a14:hiddenFill xmlns:a14="http://schemas.microsoft.com/office/drawing/2010/main" xmlns="">
                 <a:solidFill>
                   <a:srgbClr val="FFFFFF"/>
                 </a:solidFill>
               </a14:hiddenFill>
             </a:ext>
             <a:ext uri="{91240B29-F687-4f45-9708-019B960494DF}">
-              <a14:hiddenLine xmlns="" xmlns:a14="http://schemas.microsoft.com/office/drawing/2010/main" w="6350">
+              <a14:hiddenLine xmlns:a14="http://schemas.microsoft.com/office/drawing/2010/main" xmlns="" w="6350">
                 <a:solidFill>
                   <a:srgbClr val="000000"/>
                 </a:solidFill>
@@ -4713,14 +4704,14 @@
           <p:nvPr>
             <p:extLst>
               <p:ext uri="{D42A27DB-BD31-4B8C-83A1-F6EECF244321}">
-                <p14:modId xmlns:p14="http://schemas.microsoft.com/office/powerpoint/2010/main" val="2328241018"/>
+                <p14:modId xmlns:p14="http://schemas.microsoft.com/office/powerpoint/2010/main" val="3358994656"/>
               </p:ext>
             </p:extLst>
           </p:nvPr>
         </p:nvGraphicFramePr>
         <p:xfrm>
-          <a:off x="3442012" y="4369830"/>
-          <a:ext cx="3401186" cy="5638754"/>
+          <a:off x="3429000" y="4369830"/>
+          <a:ext cx="3414198" cy="5638754"/>
         </p:xfrm>
         <a:graphic>
           <a:graphicData uri="http://schemas.openxmlformats.org/drawingml/2006/table">
@@ -4729,14 +4720,14 @@
                 <a:tableStyleId>{5C22544A-7EE6-4342-B048-85BDC9FD1C3A}</a:tableStyleId>
               </a:tblPr>
               <a:tblGrid>
-                <a:gridCol w="2727589">
+                <a:gridCol w="2738024">
                   <a:extLst>
                     <a:ext uri="{9D8B030D-6E8A-4147-A177-3AD203B41FA5}">
                       <a16:colId xmlns:a16="http://schemas.microsoft.com/office/drawing/2014/main" val="1175269204"/>
                     </a:ext>
                   </a:extLst>
                 </a:gridCol>
-                <a:gridCol w="673597">
+                <a:gridCol w="676174">
                   <a:extLst>
                     <a:ext uri="{9D8B030D-6E8A-4147-A177-3AD203B41FA5}">
                       <a16:colId xmlns:a16="http://schemas.microsoft.com/office/drawing/2014/main" val="662271502"/>
@@ -6126,9 +6117,7 @@
                       <a:headEnd type="none" w="med" len="med"/>
                       <a:tailEnd type="none" w="med" len="med"/>
                     </a:lnB>
-                    <a:solidFill>
-                      <a:srgbClr val="F09128"/>
-                    </a:solidFill>
+                    <a:noFill/>
                   </a:tcPr>
                 </a:tc>
                 <a:extLst>
@@ -6409,30 +6398,30 @@
           <p:nvPr>
             <p:extLst>
               <p:ext uri="{D42A27DB-BD31-4B8C-83A1-F6EECF244321}">
-                <p14:modId xmlns:p14="http://schemas.microsoft.com/office/powerpoint/2010/main" val="2820994922"/>
+                <p14:modId xmlns:p14="http://schemas.microsoft.com/office/powerpoint/2010/main" val="708906991"/>
               </p:ext>
             </p:extLst>
           </p:nvPr>
         </p:nvGraphicFramePr>
         <p:xfrm>
-          <a:off x="14802" y="4379860"/>
-          <a:ext cx="3414198" cy="3476638"/>
+          <a:off x="-14801" y="4359668"/>
+          <a:ext cx="3429000" cy="3381935"/>
         </p:xfrm>
         <a:graphic>
           <a:graphicData uri="http://schemas.openxmlformats.org/drawingml/2006/table">
             <a:tbl>
               <a:tblPr firstRow="1" bandRow="1">
-                <a:tableStyleId>{5C22544A-7EE6-4342-B048-85BDC9FD1C3A}</a:tableStyleId>
+                <a:tableStyleId>{5940675A-B579-460E-94D1-54222C63F5DA}</a:tableStyleId>
               </a:tblPr>
               <a:tblGrid>
-                <a:gridCol w="485523">
+                <a:gridCol w="487628">
                   <a:extLst>
                     <a:ext uri="{9D8B030D-6E8A-4147-A177-3AD203B41FA5}">
                       <a16:colId xmlns:a16="http://schemas.microsoft.com/office/drawing/2014/main" val="1175269204"/>
                     </a:ext>
                   </a:extLst>
                 </a:gridCol>
-                <a:gridCol w="2928675">
+                <a:gridCol w="2941372">
                   <a:extLst>
                     <a:ext uri="{9D8B030D-6E8A-4147-A177-3AD203B41FA5}">
                       <a16:colId xmlns:a16="http://schemas.microsoft.com/office/drawing/2014/main" val="3316831983"/>
@@ -6440,7 +6429,7 @@
                   </a:extLst>
                 </a:gridCol>
               </a:tblGrid>
-              <a:tr h="1202265">
+              <a:tr h="1147281">
                 <a:tc>
                   <a:txBody>
                     <a:bodyPr/>
@@ -6471,9 +6460,6 @@
                               <a:lumOff val="5000"/>
                             </a:schemeClr>
                           </a:solidFill>
-                          <a:latin typeface="+mj-lt"/>
-                          <a:ea typeface="+mn-ea"/>
-                          <a:cs typeface="+mn-cs"/>
                         </a:rPr>
                         <a:t>2020</a:t>
                       </a:r>
@@ -6503,9 +6489,6 @@
                             <a:lumOff val="5000"/>
                           </a:schemeClr>
                         </a:solidFill>
-                        <a:latin typeface="+mj-lt"/>
-                        <a:ea typeface="+mn-ea"/>
-                        <a:cs typeface="+mn-cs"/>
                       </a:endParaRPr>
                     </a:p>
                     <a:p>
@@ -6534,50 +6517,38 @@
                               <a:lumOff val="5000"/>
                             </a:schemeClr>
                           </a:solidFill>
-                          <a:latin typeface="+mj-lt"/>
-                          <a:ea typeface="+mn-ea"/>
-                          <a:cs typeface="+mn-cs"/>
                         </a:rPr>
                         <a:t>En Cours</a:t>
                       </a:r>
+                      <a:endParaRPr lang="fr-FR" sz="1100" b="0" kern="1200" dirty="0">
+                        <a:solidFill>
+                          <a:schemeClr val="tx1">
+                            <a:lumMod val="95000"/>
+                            <a:lumOff val="5000"/>
+                          </a:schemeClr>
+                        </a:solidFill>
+                        <a:latin typeface="+mj-lt"/>
+                        <a:ea typeface="+mn-ea"/>
+                        <a:cs typeface="+mn-cs"/>
+                      </a:endParaRPr>
                     </a:p>
                   </a:txBody>
                   <a:tcPr marL="66268" marR="66268" marT="33134" marB="33134">
-                    <a:lnL w="12700" cmpd="sng">
+                    <a:lnL w="12700" cap="flat" cmpd="sng" algn="ctr">
                       <a:noFill/>
-                    </a:lnL>
-                    <a:lnR w="12700" cap="flat" cmpd="sng" algn="ctr">
-                      <a:solidFill>
-                        <a:schemeClr val="tx1"/>
-                      </a:solidFill>
                       <a:prstDash val="solid"/>
                       <a:round/>
                       <a:headEnd type="none" w="med" len="med"/>
                       <a:tailEnd type="none" w="med" len="med"/>
-                    </a:lnR>
-                    <a:lnT w="38100" cmpd="sng">
+                    </a:lnL>
+                    <a:lnT w="12700" cap="flat" cmpd="sng" algn="ctr">
                       <a:noFill/>
-                    </a:lnT>
-                    <a:lnB w="12700" cap="flat" cmpd="sng" algn="ctr">
-                      <a:solidFill>
-                        <a:schemeClr val="tx1"/>
-                      </a:solidFill>
                       <a:prstDash val="solid"/>
                       <a:round/>
                       <a:headEnd type="none" w="med" len="med"/>
                       <a:tailEnd type="none" w="med" len="med"/>
-                    </a:lnB>
-                    <a:lnTlToBr w="12700" cmpd="sng">
-                      <a:noFill/>
-                      <a:prstDash val="solid"/>
-                    </a:lnTlToBr>
-                    <a:lnBlToTr w="12700" cmpd="sng">
-                      <a:noFill/>
-                      <a:prstDash val="solid"/>
-                    </a:lnBlToTr>
-                    <a:solidFill>
-                      <a:schemeClr val="bg1"/>
-                    </a:solidFill>
+                    </a:lnT>
+                    <a:noFill/>
                   </a:tcPr>
                 </a:tc>
                 <a:tc>
@@ -6610,9 +6581,6 @@
                               <a:lumOff val="5000"/>
                             </a:schemeClr>
                           </a:solidFill>
-                          <a:latin typeface="+mj-lt"/>
-                          <a:ea typeface="+mn-ea"/>
-                          <a:cs typeface="+mn-cs"/>
                         </a:rPr>
                         <a:t>Développeur Web et Web Mobile</a:t>
                       </a:r>
@@ -6643,9 +6611,6 @@
                               <a:lumOff val="5000"/>
                             </a:schemeClr>
                           </a:solidFill>
-                          <a:latin typeface="+mj-lt"/>
-                          <a:ea typeface="+mn-ea"/>
-                          <a:cs typeface="+mn-cs"/>
                         </a:rPr>
                         <a:t>         </a:t>
                       </a:r>
@@ -6657,9 +6622,6 @@
                               <a:lumOff val="5000"/>
                             </a:schemeClr>
                           </a:solidFill>
-                          <a:latin typeface="+mj-lt"/>
-                          <a:ea typeface="+mn-ea"/>
-                          <a:cs typeface="+mn-cs"/>
                         </a:rPr>
                         <a:t>Access Code </a:t>
                       </a:r>
@@ -6671,9 +6633,6 @@
                               <a:lumOff val="5000"/>
                             </a:schemeClr>
                           </a:solidFill>
-                          <a:latin typeface="+mj-lt"/>
-                          <a:ea typeface="+mn-ea"/>
-                          <a:cs typeface="+mn-cs"/>
                         </a:rPr>
                         <a:t>School</a:t>
                       </a:r>
@@ -6684,9 +6643,6 @@
                             <a:lumOff val="5000"/>
                           </a:schemeClr>
                         </a:solidFill>
-                        <a:latin typeface="+mj-lt"/>
-                        <a:ea typeface="+mn-ea"/>
-                        <a:cs typeface="+mn-cs"/>
                       </a:endParaRPr>
                     </a:p>
                     <a:p>
@@ -6714,9 +6670,6 @@
                             <a:lumOff val="5000"/>
                           </a:schemeClr>
                         </a:solidFill>
-                        <a:latin typeface="+mj-lt"/>
-                        <a:ea typeface="+mn-ea"/>
-                        <a:cs typeface="+mn-cs"/>
                       </a:endParaRPr>
                     </a:p>
                     <a:p>
@@ -6745,9 +6698,6 @@
                               <a:lumOff val="5000"/>
                             </a:schemeClr>
                           </a:solidFill>
-                          <a:latin typeface="+mj-lt"/>
-                          <a:ea typeface="+mn-ea"/>
-                          <a:cs typeface="+mn-cs"/>
                         </a:rPr>
                         <a:t>En formation chez </a:t>
                       </a:r>
@@ -6759,9 +6709,6 @@
                               <a:lumOff val="5000"/>
                             </a:schemeClr>
                           </a:solidFill>
-                          <a:latin typeface="+mj-lt"/>
-                          <a:ea typeface="+mn-ea"/>
-                          <a:cs typeface="+mn-cs"/>
                         </a:rPr>
                         <a:t>OnlineFormaPro</a:t>
                       </a:r>
@@ -6773,29 +6720,36 @@
                               <a:lumOff val="5000"/>
                             </a:schemeClr>
                           </a:solidFill>
-                          <a:latin typeface="+mj-lt"/>
-                          <a:ea typeface="+mn-ea"/>
-                          <a:cs typeface="+mn-cs"/>
                         </a:rPr>
                         <a:t> pour l’obtention d’un titre professionnel en développement web et web mobile</a:t>
                       </a:r>
+                      <a:endParaRPr lang="fr-FR" sz="1100" b="0" kern="1200" dirty="0">
+                        <a:solidFill>
+                          <a:schemeClr val="tx1">
+                            <a:lumMod val="95000"/>
+                            <a:lumOff val="5000"/>
+                          </a:schemeClr>
+                        </a:solidFill>
+                        <a:latin typeface="+mj-lt"/>
+                        <a:ea typeface="+mn-ea"/>
+                        <a:cs typeface="+mn-cs"/>
+                      </a:endParaRPr>
                     </a:p>
                   </a:txBody>
                   <a:tcPr marL="66268" marR="66268" marT="33134" marB="33134">
-                    <a:lnL w="12700" cap="flat" cmpd="sng" algn="ctr">
-                      <a:solidFill>
-                        <a:schemeClr val="tx1"/>
-                      </a:solidFill>
+                    <a:lnR w="12700" cap="flat" cmpd="sng" algn="ctr">
+                      <a:noFill/>
                       <a:prstDash val="solid"/>
                       <a:round/>
                       <a:headEnd type="none" w="med" len="med"/>
                       <a:tailEnd type="none" w="med" len="med"/>
-                    </a:lnL>
-                    <a:lnR w="12700" cmpd="sng">
+                    </a:lnR>
+                    <a:lnT w="12700" cap="flat" cmpd="sng" algn="ctr">
                       <a:noFill/>
-                    </a:lnR>
-                    <a:lnT w="38100" cmpd="sng">
-                      <a:noFill/>
+                      <a:prstDash val="solid"/>
+                      <a:round/>
+                      <a:headEnd type="none" w="med" len="med"/>
+                      <a:tailEnd type="none" w="med" len="med"/>
                     </a:lnT>
                     <a:lnB w="12700" cap="flat" cmpd="sng" algn="ctr">
                       <a:solidFill>
@@ -6806,17 +6760,7 @@
                       <a:headEnd type="none" w="med" len="med"/>
                       <a:tailEnd type="none" w="med" len="med"/>
                     </a:lnB>
-                    <a:lnTlToBr w="12700" cmpd="sng">
-                      <a:noFill/>
-                      <a:prstDash val="solid"/>
-                    </a:lnTlToBr>
-                    <a:lnBlToTr w="12700" cmpd="sng">
-                      <a:noFill/>
-                      <a:prstDash val="solid"/>
-                    </a:lnBlToTr>
-                    <a:solidFill>
-                      <a:schemeClr val="bg1"/>
-                    </a:solidFill>
+                    <a:noFill/>
                   </a:tcPr>
                 </a:tc>
                 <a:extLst>
@@ -6825,7 +6769,7 @@
                   </a:ext>
                 </a:extLst>
               </a:tr>
-              <a:tr h="1202265">
+              <a:tr h="1147281">
                 <a:tc>
                   <a:txBody>
                     <a:bodyPr/>
@@ -6856,17 +6800,29 @@
                               <a:lumOff val="5000"/>
                             </a:schemeClr>
                           </a:solidFill>
-                          <a:latin typeface="+mj-lt"/>
-                          <a:ea typeface="+mn-ea"/>
-                          <a:cs typeface="+mn-cs"/>
                         </a:rPr>
                         <a:t>2016</a:t>
                       </a:r>
+                      <a:endParaRPr lang="fr-FR" sz="1100" b="0" kern="1200" dirty="0">
+                        <a:solidFill>
+                          <a:schemeClr val="tx1">
+                            <a:lumMod val="95000"/>
+                            <a:lumOff val="5000"/>
+                          </a:schemeClr>
+                        </a:solidFill>
+                        <a:latin typeface="+mj-lt"/>
+                        <a:ea typeface="+mn-ea"/>
+                        <a:cs typeface="+mn-cs"/>
+                      </a:endParaRPr>
                     </a:p>
                   </a:txBody>
                   <a:tcPr marL="66268" marR="66268" marT="33134" marB="33134">
-                    <a:lnL w="12700" cmpd="sng">
+                    <a:lnL w="12700" cap="flat" cmpd="sng" algn="ctr">
                       <a:noFill/>
+                      <a:prstDash val="solid"/>
+                      <a:round/>
+                      <a:headEnd type="none" w="med" len="med"/>
+                      <a:tailEnd type="none" w="med" len="med"/>
                     </a:lnL>
                     <a:lnR w="12700" cap="flat" cmpd="sng" algn="ctr">
                       <a:solidFill>
@@ -6877,35 +6833,7 @@
                       <a:headEnd type="none" w="med" len="med"/>
                       <a:tailEnd type="none" w="med" len="med"/>
                     </a:lnR>
-                    <a:lnT w="12700" cap="flat" cmpd="sng" algn="ctr">
-                      <a:solidFill>
-                        <a:schemeClr val="tx1"/>
-                      </a:solidFill>
-                      <a:prstDash val="solid"/>
-                      <a:round/>
-                      <a:headEnd type="none" w="med" len="med"/>
-                      <a:tailEnd type="none" w="med" len="med"/>
-                    </a:lnT>
-                    <a:lnB w="12700" cap="flat" cmpd="sng" algn="ctr">
-                      <a:solidFill>
-                        <a:schemeClr val="tx1"/>
-                      </a:solidFill>
-                      <a:prstDash val="solid"/>
-                      <a:round/>
-                      <a:headEnd type="none" w="med" len="med"/>
-                      <a:tailEnd type="none" w="med" len="med"/>
-                    </a:lnB>
-                    <a:lnTlToBr w="12700" cmpd="sng">
-                      <a:noFill/>
-                      <a:prstDash val="solid"/>
-                    </a:lnTlToBr>
-                    <a:lnBlToTr w="12700" cmpd="sng">
-                      <a:noFill/>
-                      <a:prstDash val="solid"/>
-                    </a:lnBlToTr>
-                    <a:solidFill>
-                      <a:schemeClr val="bg1"/>
-                    </a:solidFill>
+                    <a:noFill/>
                   </a:tcPr>
                 </a:tc>
                 <a:tc>
@@ -6938,9 +6866,6 @@
                               <a:lumOff val="5000"/>
                             </a:schemeClr>
                           </a:solidFill>
-                          <a:latin typeface="+mj-lt"/>
-                          <a:ea typeface="+mn-ea"/>
-                          <a:cs typeface="+mn-cs"/>
                         </a:rPr>
                         <a:t>Baccalauréat Economie et Social</a:t>
                       </a:r>
@@ -6970,9 +6895,6 @@
                             <a:lumOff val="5000"/>
                           </a:schemeClr>
                         </a:solidFill>
-                        <a:latin typeface="+mj-lt"/>
-                        <a:ea typeface="+mn-ea"/>
-                        <a:cs typeface="+mn-cs"/>
                       </a:endParaRPr>
                     </a:p>
                     <a:p>
@@ -7001,9 +6923,6 @@
                               <a:lumOff val="5000"/>
                             </a:schemeClr>
                           </a:solidFill>
-                          <a:latin typeface="+mj-lt"/>
-                          <a:ea typeface="+mn-ea"/>
-                          <a:cs typeface="+mn-cs"/>
                         </a:rPr>
                         <a:t>Diplôme du BAC d’économie et sociologie </a:t>
                       </a:r>
@@ -7034,9 +6953,6 @@
                               <a:lumOff val="5000"/>
                             </a:schemeClr>
                           </a:solidFill>
-                          <a:latin typeface="+mj-lt"/>
-                          <a:ea typeface="+mn-ea"/>
-                          <a:cs typeface="+mn-cs"/>
                         </a:rPr>
                         <a:t>Section Européenne Mention Bien</a:t>
                       </a:r>
@@ -7067,9 +6983,6 @@
                               <a:lumOff val="5000"/>
                             </a:schemeClr>
                           </a:solidFill>
-                          <a:latin typeface="+mj-lt"/>
-                          <a:ea typeface="+mn-ea"/>
-                          <a:cs typeface="+mn-cs"/>
                         </a:rPr>
                         <a:t>Lycée l’Espérance, 58000 NEVERS</a:t>
                       </a:r>
@@ -7148,9 +7061,7 @@
                       <a:noFill/>
                       <a:prstDash val="solid"/>
                     </a:lnBlToTr>
-                    <a:solidFill>
-                      <a:schemeClr val="bg1"/>
-                    </a:solidFill>
+                    <a:noFill/>
                   </a:tcPr>
                 </a:tc>
                 <a:extLst>
@@ -7159,7 +7070,7 @@
                   </a:ext>
                 </a:extLst>
               </a:tr>
-              <a:tr h="1059815">
+              <a:tr h="1087373">
                 <a:tc>
                   <a:txBody>
                     <a:bodyPr/>
@@ -7190,50 +7101,38 @@
                               <a:lumOff val="5000"/>
                             </a:schemeClr>
                           </a:solidFill>
-                          <a:latin typeface="+mj-lt"/>
-                          <a:ea typeface="+mn-ea"/>
-                          <a:cs typeface="+mn-cs"/>
                         </a:rPr>
                         <a:t>2014</a:t>
                       </a:r>
+                      <a:endParaRPr lang="fr-FR" sz="1100" b="0" kern="1200" dirty="0">
+                        <a:solidFill>
+                          <a:schemeClr val="tx1">
+                            <a:lumMod val="95000"/>
+                            <a:lumOff val="5000"/>
+                          </a:schemeClr>
+                        </a:solidFill>
+                        <a:latin typeface="+mj-lt"/>
+                        <a:ea typeface="+mn-ea"/>
+                        <a:cs typeface="+mn-cs"/>
+                      </a:endParaRPr>
                     </a:p>
                   </a:txBody>
                   <a:tcPr marL="66268" marR="66268" marT="33134" marB="33134">
-                    <a:lnL w="12700" cmpd="sng">
+                    <a:lnL w="12700" cap="flat" cmpd="sng" algn="ctr">
                       <a:noFill/>
-                    </a:lnL>
-                    <a:lnR w="12700" cap="flat" cmpd="sng" algn="ctr">
-                      <a:solidFill>
-                        <a:schemeClr val="tx1"/>
-                      </a:solidFill>
                       <a:prstDash val="solid"/>
                       <a:round/>
                       <a:headEnd type="none" w="med" len="med"/>
                       <a:tailEnd type="none" w="med" len="med"/>
-                    </a:lnR>
-                    <a:lnT w="12700" cap="flat" cmpd="sng" algn="ctr">
-                      <a:solidFill>
-                        <a:schemeClr val="tx1"/>
-                      </a:solidFill>
+                    </a:lnL>
+                    <a:lnB w="12700" cap="flat" cmpd="sng" algn="ctr">
+                      <a:noFill/>
                       <a:prstDash val="solid"/>
                       <a:round/>
                       <a:headEnd type="none" w="med" len="med"/>
                       <a:tailEnd type="none" w="med" len="med"/>
-                    </a:lnT>
-                    <a:lnB w="12700" cmpd="sng">
-                      <a:noFill/>
                     </a:lnB>
-                    <a:lnTlToBr w="12700" cmpd="sng">
-                      <a:noFill/>
-                      <a:prstDash val="solid"/>
-                    </a:lnTlToBr>
-                    <a:lnBlToTr w="12700" cmpd="sng">
-                      <a:noFill/>
-                      <a:prstDash val="solid"/>
-                    </a:lnBlToTr>
-                    <a:solidFill>
-                      <a:schemeClr val="bg1"/>
-                    </a:solidFill>
+                    <a:noFill/>
                   </a:tcPr>
                 </a:tc>
                 <a:tc>
@@ -7266,9 +7165,6 @@
                               <a:lumOff val="5000"/>
                             </a:schemeClr>
                           </a:solidFill>
-                          <a:latin typeface="+mn-lt"/>
-                          <a:ea typeface="+mn-ea"/>
-                          <a:cs typeface="+mn-cs"/>
                         </a:rPr>
                         <a:t>Certification Anglais B1+/B2 </a:t>
                       </a:r>
@@ -7298,9 +7194,6 @@
                             <a:lumOff val="5000"/>
                           </a:schemeClr>
                         </a:solidFill>
-                        <a:latin typeface="+mn-lt"/>
-                        <a:ea typeface="+mn-ea"/>
-                        <a:cs typeface="+mn-cs"/>
                       </a:endParaRPr>
                     </a:p>
                     <a:p>
@@ -7329,9 +7222,6 @@
                               <a:lumOff val="5000"/>
                             </a:schemeClr>
                           </a:solidFill>
-                          <a:latin typeface="+mn-lt"/>
-                          <a:ea typeface="+mn-ea"/>
-                          <a:cs typeface="+mn-cs"/>
                         </a:rPr>
                         <a:t>Diplôme de certification de compréhension de la langue anglaise de niveau B1+ / B2 remis par la Cambridge </a:t>
                       </a:r>
@@ -7343,9 +7233,6 @@
                               <a:lumOff val="5000"/>
                             </a:schemeClr>
                           </a:solidFill>
-                          <a:latin typeface="+mn-lt"/>
-                          <a:ea typeface="+mn-ea"/>
-                          <a:cs typeface="+mn-cs"/>
                         </a:rPr>
                         <a:t>University</a:t>
                       </a:r>
@@ -7356,9 +7243,6 @@
                             <a:lumOff val="5000"/>
                           </a:schemeClr>
                         </a:solidFill>
-                        <a:latin typeface="+mn-lt"/>
-                        <a:ea typeface="+mn-ea"/>
-                        <a:cs typeface="+mn-cs"/>
                       </a:endParaRPr>
                     </a:p>
                     <a:p>
@@ -7387,26 +7271,29 @@
                               <a:lumOff val="5000"/>
                             </a:schemeClr>
                           </a:solidFill>
-                          <a:latin typeface="+mj-lt"/>
-                          <a:ea typeface="+mn-ea"/>
-                          <a:cs typeface="+mn-cs"/>
                         </a:rPr>
                         <a:t> </a:t>
                       </a:r>
+                      <a:endParaRPr lang="fr-FR" sz="1100" b="0" kern="1200" dirty="0">
+                        <a:solidFill>
+                          <a:schemeClr val="tx1">
+                            <a:lumMod val="95000"/>
+                            <a:lumOff val="5000"/>
+                          </a:schemeClr>
+                        </a:solidFill>
+                        <a:latin typeface="+mj-lt"/>
+                        <a:ea typeface="+mn-ea"/>
+                        <a:cs typeface="+mn-cs"/>
+                      </a:endParaRPr>
                     </a:p>
                   </a:txBody>
                   <a:tcPr marL="66268" marR="66268" marT="33134" marB="33134">
-                    <a:lnL w="12700" cap="flat" cmpd="sng" algn="ctr">
-                      <a:solidFill>
-                        <a:schemeClr val="tx1"/>
-                      </a:solidFill>
+                    <a:lnR w="12700" cap="flat" cmpd="sng" algn="ctr">
+                      <a:noFill/>
                       <a:prstDash val="solid"/>
                       <a:round/>
                       <a:headEnd type="none" w="med" len="med"/>
                       <a:tailEnd type="none" w="med" len="med"/>
-                    </a:lnL>
-                    <a:lnR w="12700" cmpd="sng">
-                      <a:noFill/>
                     </a:lnR>
                     <a:lnT w="12700" cap="flat" cmpd="sng" algn="ctr">
                       <a:solidFill>
@@ -7417,20 +7304,14 @@
                       <a:headEnd type="none" w="med" len="med"/>
                       <a:tailEnd type="none" w="med" len="med"/>
                     </a:lnT>
-                    <a:lnB w="12700" cmpd="sng">
+                    <a:lnB w="12700" cap="flat" cmpd="sng" algn="ctr">
                       <a:noFill/>
+                      <a:prstDash val="solid"/>
+                      <a:round/>
+                      <a:headEnd type="none" w="med" len="med"/>
+                      <a:tailEnd type="none" w="med" len="med"/>
                     </a:lnB>
-                    <a:lnTlToBr w="12700" cmpd="sng">
-                      <a:noFill/>
-                      <a:prstDash val="solid"/>
-                    </a:lnTlToBr>
-                    <a:lnBlToTr w="12700" cmpd="sng">
-                      <a:noFill/>
-                      <a:prstDash val="solid"/>
-                    </a:lnBlToTr>
-                    <a:solidFill>
-                      <a:schemeClr val="bg1"/>
-                    </a:solidFill>
+                    <a:noFill/>
                   </a:tcPr>
                 </a:tc>
                 <a:extLst>
@@ -8284,7 +8165,9 @@
           </a:prstGeom>
           <a:ln>
             <a:solidFill>
-              <a:srgbClr val="CB9427"/>
+              <a:schemeClr val="bg1">
+                <a:lumMod val="75000"/>
+              </a:schemeClr>
             </a:solidFill>
           </a:ln>
         </p:spPr>
@@ -8318,7 +8201,9 @@
           </a:prstGeom>
           <a:ln>
             <a:solidFill>
-              <a:srgbClr val="CB9427"/>
+              <a:schemeClr val="bg1">
+                <a:lumMod val="75000"/>
+              </a:schemeClr>
             </a:solidFill>
           </a:ln>
         </p:spPr>
@@ -8355,7 +8240,9 @@
           </a:solidFill>
           <a:ln>
             <a:solidFill>
-              <a:srgbClr val="CB9427"/>
+              <a:schemeClr val="bg1">
+                <a:lumMod val="75000"/>
+              </a:schemeClr>
             </a:solidFill>
           </a:ln>
           <a:effectLst/>
@@ -8393,7 +8280,9 @@
           </a:solidFill>
           <a:ln>
             <a:solidFill>
-              <a:srgbClr val="CB9427"/>
+              <a:schemeClr val="bg1">
+                <a:lumMod val="75000"/>
+              </a:schemeClr>
             </a:solidFill>
           </a:ln>
         </p:spPr>
@@ -8497,7 +8386,9 @@
           </a:solidFill>
           <a:ln>
             <a:solidFill>
-              <a:srgbClr val="CB9427"/>
+              <a:schemeClr val="bg1">
+                <a:lumMod val="75000"/>
+              </a:schemeClr>
             </a:solidFill>
           </a:ln>
         </p:spPr>
@@ -8859,7 +8750,7 @@
         <p:spPr>
           <a:xfrm>
             <a:off x="3419982" y="10892"/>
-            <a:ext cx="3433509" cy="335156"/>
+            <a:ext cx="3460217" cy="335156"/>
           </a:xfrm>
           <a:prstGeom prst="rect">
             <a:avLst/>
